--- a/Elements de presentation/PowerPoint1.pptx
+++ b/Elements de presentation/PowerPoint1.pptx
@@ -240,14 +240,14 @@
           <a:effectLst/>
           <a:extLst>
             <a:ext uri="{909E8E84-426E-40dd-AFC4-6F175D3DCCD1}">
-              <a14:hiddenFill xmlns:a14="http://schemas.microsoft.com/office/drawing/2010/main" xmlns="">
+              <a14:hiddenFill xmlns="" xmlns:a14="http://schemas.microsoft.com/office/drawing/2010/main">
                 <a:solidFill>
                   <a:srgbClr val="FFFFFF"/>
                 </a:solidFill>
               </a14:hiddenFill>
             </a:ext>
             <a:ext uri="{91240B29-F687-4f45-9708-019B960494DF}">
-              <a14:hiddenLine xmlns:a14="http://schemas.microsoft.com/office/drawing/2010/main" xmlns="" w="12700" cap="rnd" cmpd="sng">
+              <a14:hiddenLine xmlns="" xmlns:a14="http://schemas.microsoft.com/office/drawing/2010/main" w="12700" cap="rnd" cmpd="sng">
                 <a:solidFill>
                   <a:srgbClr val="000000"/>
                 </a:solidFill>
@@ -258,7 +258,7 @@
               </a14:hiddenLine>
             </a:ext>
             <a:ext uri="{AF507438-7753-43e0-B8FC-AC1667EBCBE1}">
-              <a14:hiddenEffects xmlns:a14="http://schemas.microsoft.com/office/drawing/2010/main" xmlns="">
+              <a14:hiddenEffects xmlns="" xmlns:a14="http://schemas.microsoft.com/office/drawing/2010/main">
                 <a:effectLst>
                   <a:outerShdw blurRad="63500" dist="38099" dir="2700000" algn="ctr" rotWithShape="0">
                     <a:srgbClr val="000000">
@@ -269,7 +269,7 @@
               </a14:hiddenEffects>
             </a:ext>
             <a:ext uri="{FAA26D3D-D897-4be2-8F04-BA451C77F1D7}">
-              <ma14:placeholderFlag xmlns:ma14="http://schemas.microsoft.com/office/mac/drawingml/2011/main" xmlns="" val="1"/>
+              <ma14:placeholderFlag xmlns="" xmlns:ma14="http://schemas.microsoft.com/office/mac/drawingml/2011/main" val="1"/>
             </a:ext>
           </a:extLst>
         </p:spPr>
@@ -299,14 +299,14 @@
           <a:effectLst/>
           <a:extLst>
             <a:ext uri="{909E8E84-426E-40dd-AFC4-6F175D3DCCD1}">
-              <a14:hiddenFill xmlns:a14="http://schemas.microsoft.com/office/drawing/2010/main" xmlns="">
+              <a14:hiddenFill xmlns="" xmlns:a14="http://schemas.microsoft.com/office/drawing/2010/main">
                 <a:solidFill>
                   <a:srgbClr val="FFFFFF"/>
                 </a:solidFill>
               </a14:hiddenFill>
             </a:ext>
             <a:ext uri="{91240B29-F687-4f45-9708-019B960494DF}">
-              <a14:hiddenLine xmlns:a14="http://schemas.microsoft.com/office/drawing/2010/main" xmlns="" w="12700" cap="rnd" cmpd="sng">
+              <a14:hiddenLine xmlns="" xmlns:a14="http://schemas.microsoft.com/office/drawing/2010/main" w="12700" cap="rnd" cmpd="sng">
                 <a:solidFill>
                   <a:srgbClr val="000000"/>
                 </a:solidFill>
@@ -317,7 +317,7 @@
               </a14:hiddenLine>
             </a:ext>
             <a:ext uri="{AF507438-7753-43e0-B8FC-AC1667EBCBE1}">
-              <a14:hiddenEffects xmlns:a14="http://schemas.microsoft.com/office/drawing/2010/main" xmlns="">
+              <a14:hiddenEffects xmlns="" xmlns:a14="http://schemas.microsoft.com/office/drawing/2010/main">
                 <a:effectLst>
                   <a:outerShdw blurRad="63500" dist="38099" dir="2700000" algn="ctr" rotWithShape="0">
                     <a:srgbClr val="000000">
@@ -328,7 +328,7 @@
               </a14:hiddenEffects>
             </a:ext>
             <a:ext uri="{FAA26D3D-D897-4be2-8F04-BA451C77F1D7}">
-              <ma14:placeholderFlag xmlns:ma14="http://schemas.microsoft.com/office/mac/drawingml/2011/main" xmlns="" val="1"/>
+              <ma14:placeholderFlag xmlns="" xmlns:ma14="http://schemas.microsoft.com/office/mac/drawingml/2011/main" val="1"/>
             </a:ext>
           </a:extLst>
         </p:spPr>
@@ -2515,7 +2515,7 @@
           <a:effectLst/>
           <a:extLst>
             <a:ext uri="{AF507438-7753-43e0-B8FC-AC1667EBCBE1}">
-              <a14:hiddenEffects xmlns:a14="http://schemas.microsoft.com/office/drawing/2010/main" xmlns="">
+              <a14:hiddenEffects xmlns="" xmlns:a14="http://schemas.microsoft.com/office/drawing/2010/main">
                 <a:effectLst>
                   <a:outerShdw blurRad="63500" dist="38099" dir="2700000" algn="ctr" rotWithShape="0">
                     <a:srgbClr val="000000">
@@ -3135,14 +3135,14 @@
             <a:effectLst/>
             <a:extLst>
               <a:ext uri="{909E8E84-426E-40dd-AFC4-6F175D3DCCD1}">
-                <a14:hiddenFill xmlns:a14="http://schemas.microsoft.com/office/drawing/2010/main" xmlns="">
+                <a14:hiddenFill xmlns="" xmlns:a14="http://schemas.microsoft.com/office/drawing/2010/main">
                   <a:solidFill>
                     <a:srgbClr val="FFFFFF"/>
                   </a:solidFill>
                 </a14:hiddenFill>
               </a:ext>
               <a:ext uri="{91240B29-F687-4f45-9708-019B960494DF}">
-                <a14:hiddenLine xmlns:a14="http://schemas.microsoft.com/office/drawing/2010/main" xmlns="" w="12700" cap="flat" cmpd="sng">
+                <a14:hiddenLine xmlns="" xmlns:a14="http://schemas.microsoft.com/office/drawing/2010/main" w="12700" cap="flat" cmpd="sng">
                   <a:solidFill>
                     <a:srgbClr val="000000"/>
                   </a:solidFill>
@@ -3153,7 +3153,7 @@
                 </a14:hiddenLine>
               </a:ext>
               <a:ext uri="{AF507438-7753-43e0-B8FC-AC1667EBCBE1}">
-                <a14:hiddenEffects xmlns:a14="http://schemas.microsoft.com/office/drawing/2010/main" xmlns="">
+                <a14:hiddenEffects xmlns="" xmlns:a14="http://schemas.microsoft.com/office/drawing/2010/main">
                   <a:effectLst>
                     <a:outerShdw blurRad="63500" dist="38099" dir="2700000" algn="ctr" rotWithShape="0">
                       <a:srgbClr val="000000">
@@ -3283,14 +3283,14 @@
             <a:effectLst/>
             <a:extLst>
               <a:ext uri="{909E8E84-426E-40dd-AFC4-6F175D3DCCD1}">
-                <a14:hiddenFill xmlns:a14="http://schemas.microsoft.com/office/drawing/2010/main" xmlns="">
+                <a14:hiddenFill xmlns="" xmlns:a14="http://schemas.microsoft.com/office/drawing/2010/main">
                   <a:solidFill>
                     <a:srgbClr val="FFFFFF"/>
                   </a:solidFill>
                 </a14:hiddenFill>
               </a:ext>
               <a:ext uri="{91240B29-F687-4f45-9708-019B960494DF}">
-                <a14:hiddenLine xmlns:a14="http://schemas.microsoft.com/office/drawing/2010/main" xmlns="" w="12700" cap="flat" cmpd="sng">
+                <a14:hiddenLine xmlns="" xmlns:a14="http://schemas.microsoft.com/office/drawing/2010/main" w="12700" cap="flat" cmpd="sng">
                   <a:solidFill>
                     <a:srgbClr val="000000"/>
                   </a:solidFill>
@@ -3301,7 +3301,7 @@
                 </a14:hiddenLine>
               </a:ext>
               <a:ext uri="{AF507438-7753-43e0-B8FC-AC1667EBCBE1}">
-                <a14:hiddenEffects xmlns:a14="http://schemas.microsoft.com/office/drawing/2010/main" xmlns="">
+                <a14:hiddenEffects xmlns="" xmlns:a14="http://schemas.microsoft.com/office/drawing/2010/main">
                   <a:effectLst>
                     <a:outerShdw blurRad="63500" dist="38099" dir="2700000" algn="ctr" rotWithShape="0">
                       <a:srgbClr val="000000">
@@ -3387,12 +3387,12 @@
               <a:effectLst/>
               <a:extLst>
                 <a:ext uri="{909E8E84-426E-40dd-AFC4-6F175D3DCCD1}">
-                  <a14:hiddenFill xmlns:a14="http://schemas.microsoft.com/office/drawing/2010/main" xmlns="">
+                  <a14:hiddenFill xmlns="" xmlns:a14="http://schemas.microsoft.com/office/drawing/2010/main">
                     <a:noFill/>
                   </a14:hiddenFill>
                 </a:ext>
                 <a:ext uri="{AF507438-7753-43e0-B8FC-AC1667EBCBE1}">
-                  <a14:hiddenEffects xmlns:a14="http://schemas.microsoft.com/office/drawing/2010/main" xmlns="">
+                  <a14:hiddenEffects xmlns="" xmlns:a14="http://schemas.microsoft.com/office/drawing/2010/main">
                     <a:effectLst>
                       <a:outerShdw blurRad="63500" dist="38099" dir="2700000" algn="ctr" rotWithShape="0">
                         <a:srgbClr val="000000">
@@ -3448,12 +3448,12 @@
               <a:effectLst/>
               <a:extLst>
                 <a:ext uri="{909E8E84-426E-40dd-AFC4-6F175D3DCCD1}">
-                  <a14:hiddenFill xmlns:a14="http://schemas.microsoft.com/office/drawing/2010/main" xmlns="">
+                  <a14:hiddenFill xmlns="" xmlns:a14="http://schemas.microsoft.com/office/drawing/2010/main">
                     <a:noFill/>
                   </a14:hiddenFill>
                 </a:ext>
                 <a:ext uri="{AF507438-7753-43e0-B8FC-AC1667EBCBE1}">
-                  <a14:hiddenEffects xmlns:a14="http://schemas.microsoft.com/office/drawing/2010/main" xmlns="">
+                  <a14:hiddenEffects xmlns="" xmlns:a14="http://schemas.microsoft.com/office/drawing/2010/main">
                     <a:effectLst>
                       <a:outerShdw blurRad="63500" dist="38099" dir="2700000" algn="ctr" rotWithShape="0">
                         <a:srgbClr val="000000">
@@ -3548,14 +3548,14 @@
           <a:effectLst/>
           <a:extLst>
             <a:ext uri="{909E8E84-426E-40dd-AFC4-6F175D3DCCD1}">
-              <a14:hiddenFill xmlns:a14="http://schemas.microsoft.com/office/drawing/2010/main" xmlns="">
+              <a14:hiddenFill xmlns="" xmlns:a14="http://schemas.microsoft.com/office/drawing/2010/main">
                 <a:solidFill>
                   <a:srgbClr val="FFFFFF"/>
                 </a:solidFill>
               </a14:hiddenFill>
             </a:ext>
             <a:ext uri="{91240B29-F687-4f45-9708-019B960494DF}">
-              <a14:hiddenLine xmlns:a14="http://schemas.microsoft.com/office/drawing/2010/main" xmlns="" w="12700" cap="flat" cmpd="sng">
+              <a14:hiddenLine xmlns="" xmlns:a14="http://schemas.microsoft.com/office/drawing/2010/main" w="12700" cap="flat" cmpd="sng">
                 <a:solidFill>
                   <a:srgbClr val="000000"/>
                 </a:solidFill>
@@ -3566,7 +3566,7 @@
               </a14:hiddenLine>
             </a:ext>
             <a:ext uri="{AF507438-7753-43e0-B8FC-AC1667EBCBE1}">
-              <a14:hiddenEffects xmlns:a14="http://schemas.microsoft.com/office/drawing/2010/main" xmlns="">
+              <a14:hiddenEffects xmlns="" xmlns:a14="http://schemas.microsoft.com/office/drawing/2010/main">
                 <a:effectLst>
                   <a:outerShdw blurRad="63500" dist="38099" dir="2700000" algn="ctr" rotWithShape="0">
                     <a:srgbClr val="000000">
@@ -3799,14 +3799,14 @@
           <a:effectLst/>
           <a:extLst>
             <a:ext uri="{909E8E84-426E-40dd-AFC4-6F175D3DCCD1}">
-              <a14:hiddenFill xmlns="" xmlns:a14="http://schemas.microsoft.com/office/drawing/2010/main">
+              <a14:hiddenFill xmlns:a14="http://schemas.microsoft.com/office/drawing/2010/main" xmlns="">
                 <a:solidFill>
                   <a:srgbClr val="FFFFFF"/>
                 </a:solidFill>
               </a14:hiddenFill>
             </a:ext>
             <a:ext uri="{91240B29-F687-4f45-9708-019B960494DF}">
-              <a14:hiddenLine xmlns="" xmlns:a14="http://schemas.microsoft.com/office/drawing/2010/main" w="12700" cap="flat" cmpd="sng">
+              <a14:hiddenLine xmlns:a14="http://schemas.microsoft.com/office/drawing/2010/main" xmlns="" w="12700" cap="flat" cmpd="sng">
                 <a:solidFill>
                   <a:srgbClr val="000000"/>
                 </a:solidFill>
@@ -3817,7 +3817,7 @@
               </a14:hiddenLine>
             </a:ext>
             <a:ext uri="{AF507438-7753-43e0-B8FC-AC1667EBCBE1}">
-              <a14:hiddenEffects xmlns="" xmlns:a14="http://schemas.microsoft.com/office/drawing/2010/main">
+              <a14:hiddenEffects xmlns:a14="http://schemas.microsoft.com/office/drawing/2010/main" xmlns="">
                 <a:effectLst>
                   <a:outerShdw blurRad="63500" dist="38099" dir="2700000" algn="ctr" rotWithShape="0">
                     <a:srgbClr val="000000">
@@ -3878,12 +3878,12 @@
           <a:effectLst/>
           <a:extLst>
             <a:ext uri="{909E8E84-426E-40dd-AFC4-6F175D3DCCD1}">
-              <a14:hiddenFill xmlns="" xmlns:a14="http://schemas.microsoft.com/office/drawing/2010/main">
+              <a14:hiddenFill xmlns:a14="http://schemas.microsoft.com/office/drawing/2010/main" xmlns="">
                 <a:noFill/>
               </a14:hiddenFill>
             </a:ext>
             <a:ext uri="{AF507438-7753-43e0-B8FC-AC1667EBCBE1}">
-              <a14:hiddenEffects xmlns="" xmlns:a14="http://schemas.microsoft.com/office/drawing/2010/main">
+              <a14:hiddenEffects xmlns:a14="http://schemas.microsoft.com/office/drawing/2010/main" xmlns="">
                 <a:effectLst>
                   <a:outerShdw blurRad="63500" dist="38099" dir="2700000" algn="ctr" rotWithShape="0">
                     <a:srgbClr val="000000">
@@ -4314,14 +4314,14 @@
           <a:effectLst/>
           <a:extLst>
             <a:ext uri="{909E8E84-426E-40dd-AFC4-6F175D3DCCD1}">
-              <a14:hiddenFill xmlns:a14="http://schemas.microsoft.com/office/drawing/2010/main" xmlns="">
+              <a14:hiddenFill xmlns="" xmlns:a14="http://schemas.microsoft.com/office/drawing/2010/main">
                 <a:solidFill>
                   <a:srgbClr val="FFFFFF"/>
                 </a:solidFill>
               </a14:hiddenFill>
             </a:ext>
             <a:ext uri="{91240B29-F687-4f45-9708-019B960494DF}">
-              <a14:hiddenLine xmlns:a14="http://schemas.microsoft.com/office/drawing/2010/main" xmlns="" w="12700" cap="flat" cmpd="sng">
+              <a14:hiddenLine xmlns="" xmlns:a14="http://schemas.microsoft.com/office/drawing/2010/main" w="12700" cap="flat" cmpd="sng">
                 <a:solidFill>
                   <a:srgbClr val="000000"/>
                 </a:solidFill>
@@ -4332,7 +4332,7 @@
               </a14:hiddenLine>
             </a:ext>
             <a:ext uri="{AF507438-7753-43e0-B8FC-AC1667EBCBE1}">
-              <a14:hiddenEffects xmlns:a14="http://schemas.microsoft.com/office/drawing/2010/main" xmlns="">
+              <a14:hiddenEffects xmlns="" xmlns:a14="http://schemas.microsoft.com/office/drawing/2010/main">
                 <a:effectLst>
                   <a:outerShdw blurRad="63500" dist="38099" dir="2700000" algn="ctr" rotWithShape="0">
                     <a:srgbClr val="000000">
@@ -5085,14 +5085,14 @@
           <a:effectLst/>
           <a:extLst>
             <a:ext uri="{909E8E84-426E-40dd-AFC4-6F175D3DCCD1}">
-              <a14:hiddenFill xmlns:a14="http://schemas.microsoft.com/office/drawing/2010/main" xmlns="">
+              <a14:hiddenFill xmlns="" xmlns:a14="http://schemas.microsoft.com/office/drawing/2010/main">
                 <a:solidFill>
                   <a:srgbClr val="FFFFFF"/>
                 </a:solidFill>
               </a14:hiddenFill>
             </a:ext>
             <a:ext uri="{91240B29-F687-4f45-9708-019B960494DF}">
-              <a14:hiddenLine xmlns:a14="http://schemas.microsoft.com/office/drawing/2010/main" xmlns="" w="12700" cap="flat" cmpd="sng">
+              <a14:hiddenLine xmlns="" xmlns:a14="http://schemas.microsoft.com/office/drawing/2010/main" w="12700" cap="flat" cmpd="sng">
                 <a:solidFill>
                   <a:srgbClr val="000000"/>
                 </a:solidFill>
@@ -5103,7 +5103,7 @@
               </a14:hiddenLine>
             </a:ext>
             <a:ext uri="{AF507438-7753-43e0-B8FC-AC1667EBCBE1}">
-              <a14:hiddenEffects xmlns:a14="http://schemas.microsoft.com/office/drawing/2010/main" xmlns="">
+              <a14:hiddenEffects xmlns="" xmlns:a14="http://schemas.microsoft.com/office/drawing/2010/main">
                 <a:effectLst>
                   <a:outerShdw blurRad="63500" dist="38099" dir="2700000" algn="ctr" rotWithShape="0">
                     <a:srgbClr val="000000">
@@ -5486,7 +5486,7 @@
             <a:effectLst/>
             <a:extLst>
               <a:ext uri="{AF507438-7753-43e0-B8FC-AC1667EBCBE1}">
-                <a14:hiddenEffects xmlns:a14="http://schemas.microsoft.com/office/drawing/2010/main" xmlns="">
+                <a14:hiddenEffects xmlns="" xmlns:a14="http://schemas.microsoft.com/office/drawing/2010/main">
                   <a:effectLst>
                     <a:outerShdw blurRad="63500" dist="38099" dir="2700000" algn="ctr" rotWithShape="0">
                       <a:srgbClr val="000000">
@@ -5619,7 +5619,7 @@
             <a:effectLst/>
             <a:extLst>
               <a:ext uri="{AF507438-7753-43e0-B8FC-AC1667EBCBE1}">
-                <a14:hiddenEffects xmlns:a14="http://schemas.microsoft.com/office/drawing/2010/main" xmlns="">
+                <a14:hiddenEffects xmlns="" xmlns:a14="http://schemas.microsoft.com/office/drawing/2010/main">
                   <a:effectLst>
                     <a:outerShdw blurRad="63500" dist="38099" dir="2700000" algn="ctr" rotWithShape="0">
                       <a:srgbClr val="000000">
@@ -5915,7 +5915,7 @@
             <a:effectLst/>
             <a:extLst>
               <a:ext uri="{AF507438-7753-43e0-B8FC-AC1667EBCBE1}">
-                <a14:hiddenEffects xmlns:a14="http://schemas.microsoft.com/office/drawing/2010/main" xmlns="">
+                <a14:hiddenEffects xmlns="" xmlns:a14="http://schemas.microsoft.com/office/drawing/2010/main">
                   <a:effectLst>
                     <a:outerShdw blurRad="63500" dist="38099" dir="2700000" algn="ctr" rotWithShape="0">
                       <a:srgbClr val="000000">
@@ -6048,7 +6048,7 @@
             <a:effectLst/>
             <a:extLst>
               <a:ext uri="{AF507438-7753-43e0-B8FC-AC1667EBCBE1}">
-                <a14:hiddenEffects xmlns:a14="http://schemas.microsoft.com/office/drawing/2010/main" xmlns="">
+                <a14:hiddenEffects xmlns="" xmlns:a14="http://schemas.microsoft.com/office/drawing/2010/main">
                   <a:effectLst>
                     <a:outerShdw blurRad="63500" dist="38099" dir="2700000" algn="ctr" rotWithShape="0">
                       <a:srgbClr val="000000">
@@ -6344,7 +6344,7 @@
             <a:effectLst/>
             <a:extLst>
               <a:ext uri="{AF507438-7753-43e0-B8FC-AC1667EBCBE1}">
-                <a14:hiddenEffects xmlns:a14="http://schemas.microsoft.com/office/drawing/2010/main" xmlns="">
+                <a14:hiddenEffects xmlns="" xmlns:a14="http://schemas.microsoft.com/office/drawing/2010/main">
                   <a:effectLst>
                     <a:outerShdw blurRad="63500" dist="38099" dir="2700000" algn="ctr" rotWithShape="0">
                       <a:srgbClr val="000000">
@@ -6477,7 +6477,7 @@
             <a:effectLst/>
             <a:extLst>
               <a:ext uri="{AF507438-7753-43e0-B8FC-AC1667EBCBE1}">
-                <a14:hiddenEffects xmlns:a14="http://schemas.microsoft.com/office/drawing/2010/main" xmlns="">
+                <a14:hiddenEffects xmlns="" xmlns:a14="http://schemas.microsoft.com/office/drawing/2010/main">
                   <a:effectLst>
                     <a:outerShdw blurRad="63500" dist="38099" dir="2700000" algn="ctr" rotWithShape="0">
                       <a:srgbClr val="000000">
@@ -6773,7 +6773,7 @@
             <a:effectLst/>
             <a:extLst>
               <a:ext uri="{AF507438-7753-43e0-B8FC-AC1667EBCBE1}">
-                <a14:hiddenEffects xmlns:a14="http://schemas.microsoft.com/office/drawing/2010/main" xmlns="">
+                <a14:hiddenEffects xmlns="" xmlns:a14="http://schemas.microsoft.com/office/drawing/2010/main">
                   <a:effectLst>
                     <a:outerShdw blurRad="63500" dist="38099" dir="2700000" algn="ctr" rotWithShape="0">
                       <a:srgbClr val="000000">
@@ -6906,7 +6906,7 @@
             <a:effectLst/>
             <a:extLst>
               <a:ext uri="{AF507438-7753-43e0-B8FC-AC1667EBCBE1}">
-                <a14:hiddenEffects xmlns:a14="http://schemas.microsoft.com/office/drawing/2010/main" xmlns="">
+                <a14:hiddenEffects xmlns="" xmlns:a14="http://schemas.microsoft.com/office/drawing/2010/main">
                   <a:effectLst>
                     <a:outerShdw blurRad="63500" dist="38099" dir="2700000" algn="ctr" rotWithShape="0">
                       <a:srgbClr val="000000">
@@ -7109,7 +7109,7 @@
           <a:effectLst/>
           <a:extLst>
             <a:ext uri="{AF507438-7753-43e0-B8FC-AC1667EBCBE1}">
-              <a14:hiddenEffects xmlns:a14="http://schemas.microsoft.com/office/drawing/2010/main" xmlns="">
+              <a14:hiddenEffects xmlns="" xmlns:a14="http://schemas.microsoft.com/office/drawing/2010/main">
                 <a:effectLst>
                   <a:outerShdw blurRad="63500" dist="38099" dir="2700000" algn="ctr" rotWithShape="0">
                     <a:srgbClr val="000000">
@@ -7221,7 +7221,7 @@
           <a:effectLst/>
           <a:extLst>
             <a:ext uri="{AF507438-7753-43e0-B8FC-AC1667EBCBE1}">
-              <a14:hiddenEffects xmlns:a14="http://schemas.microsoft.com/office/drawing/2010/main" xmlns="">
+              <a14:hiddenEffects xmlns="" xmlns:a14="http://schemas.microsoft.com/office/drawing/2010/main">
                 <a:effectLst>
                   <a:outerShdw blurRad="63500" dist="38099" dir="2700000" algn="ctr" rotWithShape="0">
                     <a:srgbClr val="000000">
@@ -7341,7 +7341,7 @@
           <a:effectLst/>
           <a:extLst>
             <a:ext uri="{AF507438-7753-43e0-B8FC-AC1667EBCBE1}">
-              <a14:hiddenEffects xmlns:a14="http://schemas.microsoft.com/office/drawing/2010/main" xmlns="">
+              <a14:hiddenEffects xmlns="" xmlns:a14="http://schemas.microsoft.com/office/drawing/2010/main">
                 <a:effectLst>
                   <a:outerShdw blurRad="63500" dist="38099" dir="2700000" algn="ctr" rotWithShape="0">
                     <a:srgbClr val="000000">
@@ -7461,7 +7461,7 @@
           <a:effectLst/>
           <a:extLst>
             <a:ext uri="{AF507438-7753-43e0-B8FC-AC1667EBCBE1}">
-              <a14:hiddenEffects xmlns:a14="http://schemas.microsoft.com/office/drawing/2010/main" xmlns="">
+              <a14:hiddenEffects xmlns="" xmlns:a14="http://schemas.microsoft.com/office/drawing/2010/main">
                 <a:effectLst>
                   <a:outerShdw blurRad="63500" dist="38099" dir="2700000" algn="ctr" rotWithShape="0">
                     <a:srgbClr val="000000">
@@ -7610,14 +7610,14 @@
           <a:effectLst/>
           <a:extLst>
             <a:ext uri="{909E8E84-426E-40dd-AFC4-6F175D3DCCD1}">
-              <a14:hiddenFill xmlns:a14="http://schemas.microsoft.com/office/drawing/2010/main" xmlns="">
+              <a14:hiddenFill xmlns="" xmlns:a14="http://schemas.microsoft.com/office/drawing/2010/main">
                 <a:solidFill>
                   <a:srgbClr val="FFFFFF"/>
                 </a:solidFill>
               </a14:hiddenFill>
             </a:ext>
             <a:ext uri="{91240B29-F687-4f45-9708-019B960494DF}">
-              <a14:hiddenLine xmlns:a14="http://schemas.microsoft.com/office/drawing/2010/main" xmlns="" w="12700" cap="flat" cmpd="sng">
+              <a14:hiddenLine xmlns="" xmlns:a14="http://schemas.microsoft.com/office/drawing/2010/main" w="12700" cap="flat" cmpd="sng">
                 <a:solidFill>
                   <a:srgbClr val="000000"/>
                 </a:solidFill>
@@ -7628,7 +7628,7 @@
               </a14:hiddenLine>
             </a:ext>
             <a:ext uri="{AF507438-7753-43e0-B8FC-AC1667EBCBE1}">
-              <a14:hiddenEffects xmlns:a14="http://schemas.microsoft.com/office/drawing/2010/main" xmlns="">
+              <a14:hiddenEffects xmlns="" xmlns:a14="http://schemas.microsoft.com/office/drawing/2010/main">
                 <a:effectLst>
                   <a:outerShdw blurRad="63500" dist="38099" dir="2700000" algn="ctr" rotWithShape="0">
                     <a:srgbClr val="000000">
@@ -8368,14 +8368,14 @@
           <a:effectLst/>
           <a:extLst>
             <a:ext uri="{909E8E84-426E-40dd-AFC4-6F175D3DCCD1}">
-              <a14:hiddenFill xmlns:a14="http://schemas.microsoft.com/office/drawing/2010/main" xmlns="">
+              <a14:hiddenFill xmlns="" xmlns:a14="http://schemas.microsoft.com/office/drawing/2010/main">
                 <a:solidFill>
                   <a:srgbClr val="FFFFFF"/>
                 </a:solidFill>
               </a14:hiddenFill>
             </a:ext>
             <a:ext uri="{91240B29-F687-4f45-9708-019B960494DF}">
-              <a14:hiddenLine xmlns:a14="http://schemas.microsoft.com/office/drawing/2010/main" xmlns="" w="12700" cap="flat" cmpd="sng">
+              <a14:hiddenLine xmlns="" xmlns:a14="http://schemas.microsoft.com/office/drawing/2010/main" w="12700" cap="flat" cmpd="sng">
                 <a:solidFill>
                   <a:srgbClr val="000000"/>
                 </a:solidFill>
@@ -8386,7 +8386,7 @@
               </a14:hiddenLine>
             </a:ext>
             <a:ext uri="{AF507438-7753-43e0-B8FC-AC1667EBCBE1}">
-              <a14:hiddenEffects xmlns:a14="http://schemas.microsoft.com/office/drawing/2010/main" xmlns="">
+              <a14:hiddenEffects xmlns="" xmlns:a14="http://schemas.microsoft.com/office/drawing/2010/main">
                 <a:effectLst>
                   <a:outerShdw blurRad="63500" dist="38099" dir="2700000" algn="ctr" rotWithShape="0">
                     <a:srgbClr val="000000">
@@ -8675,14 +8675,14 @@
           <a:effectLst/>
           <a:extLst>
             <a:ext uri="{909E8E84-426E-40dd-AFC4-6F175D3DCCD1}">
-              <a14:hiddenFill xmlns:a14="http://schemas.microsoft.com/office/drawing/2010/main" xmlns="">
+              <a14:hiddenFill xmlns="" xmlns:a14="http://schemas.microsoft.com/office/drawing/2010/main">
                 <a:solidFill>
                   <a:srgbClr val="FFFFFF"/>
                 </a:solidFill>
               </a14:hiddenFill>
             </a:ext>
             <a:ext uri="{91240B29-F687-4f45-9708-019B960494DF}">
-              <a14:hiddenLine xmlns:a14="http://schemas.microsoft.com/office/drawing/2010/main" xmlns="" w="12700" cap="flat" cmpd="sng">
+              <a14:hiddenLine xmlns="" xmlns:a14="http://schemas.microsoft.com/office/drawing/2010/main" w="12700" cap="flat" cmpd="sng">
                 <a:solidFill>
                   <a:srgbClr val="000000"/>
                 </a:solidFill>
@@ -8693,7 +8693,7 @@
               </a14:hiddenLine>
             </a:ext>
             <a:ext uri="{AF507438-7753-43e0-B8FC-AC1667EBCBE1}">
-              <a14:hiddenEffects xmlns:a14="http://schemas.microsoft.com/office/drawing/2010/main" xmlns="">
+              <a14:hiddenEffects xmlns="" xmlns:a14="http://schemas.microsoft.com/office/drawing/2010/main">
                 <a:effectLst>
                   <a:outerShdw blurRad="63500" dist="38099" dir="2700000" algn="ctr" rotWithShape="0">
                     <a:srgbClr val="000000">
@@ -8825,14 +8825,14 @@
           <a:effectLst/>
           <a:extLst>
             <a:ext uri="{909E8E84-426E-40dd-AFC4-6F175D3DCCD1}">
-              <a14:hiddenFill xmlns:a14="http://schemas.microsoft.com/office/drawing/2010/main" xmlns="">
+              <a14:hiddenFill xmlns="" xmlns:a14="http://schemas.microsoft.com/office/drawing/2010/main">
                 <a:solidFill>
                   <a:srgbClr val="FFFFFF"/>
                 </a:solidFill>
               </a14:hiddenFill>
             </a:ext>
             <a:ext uri="{91240B29-F687-4f45-9708-019B960494DF}">
-              <a14:hiddenLine xmlns:a14="http://schemas.microsoft.com/office/drawing/2010/main" xmlns="" w="12700" cap="flat" cmpd="sng">
+              <a14:hiddenLine xmlns="" xmlns:a14="http://schemas.microsoft.com/office/drawing/2010/main" w="12700" cap="flat" cmpd="sng">
                 <a:solidFill>
                   <a:srgbClr val="000000"/>
                 </a:solidFill>
@@ -8843,7 +8843,7 @@
               </a14:hiddenLine>
             </a:ext>
             <a:ext uri="{AF507438-7753-43e0-B8FC-AC1667EBCBE1}">
-              <a14:hiddenEffects xmlns:a14="http://schemas.microsoft.com/office/drawing/2010/main" xmlns="">
+              <a14:hiddenEffects xmlns="" xmlns:a14="http://schemas.microsoft.com/office/drawing/2010/main">
                 <a:effectLst>
                   <a:outerShdw blurRad="63500" dist="38099" dir="2700000" algn="ctr" rotWithShape="0">
                     <a:srgbClr val="000000">
@@ -9349,14 +9349,14 @@
           <a:effectLst/>
           <a:extLst>
             <a:ext uri="{909E8E84-426E-40dd-AFC4-6F175D3DCCD1}">
-              <a14:hiddenFill xmlns:a14="http://schemas.microsoft.com/office/drawing/2010/main" xmlns="">
+              <a14:hiddenFill xmlns="" xmlns:a14="http://schemas.microsoft.com/office/drawing/2010/main">
                 <a:solidFill>
                   <a:srgbClr val="FFFFFF"/>
                 </a:solidFill>
               </a14:hiddenFill>
             </a:ext>
             <a:ext uri="{91240B29-F687-4f45-9708-019B960494DF}">
-              <a14:hiddenLine xmlns:a14="http://schemas.microsoft.com/office/drawing/2010/main" xmlns="" w="12700" cap="flat" cmpd="sng">
+              <a14:hiddenLine xmlns="" xmlns:a14="http://schemas.microsoft.com/office/drawing/2010/main" w="12700" cap="flat" cmpd="sng">
                 <a:solidFill>
                   <a:srgbClr val="000000"/>
                 </a:solidFill>
@@ -9367,7 +9367,7 @@
               </a14:hiddenLine>
             </a:ext>
             <a:ext uri="{AF507438-7753-43e0-B8FC-AC1667EBCBE1}">
-              <a14:hiddenEffects xmlns:a14="http://schemas.microsoft.com/office/drawing/2010/main" xmlns="">
+              <a14:hiddenEffects xmlns="" xmlns:a14="http://schemas.microsoft.com/office/drawing/2010/main">
                 <a:effectLst>
                   <a:outerShdw blurRad="63500" dist="38099" dir="2700000" algn="ctr" rotWithShape="0">
                     <a:srgbClr val="000000">
@@ -9912,14 +9912,14 @@
           <a:effectLst/>
           <a:extLst>
             <a:ext uri="{909E8E84-426E-40dd-AFC4-6F175D3DCCD1}">
-              <a14:hiddenFill xmlns:a14="http://schemas.microsoft.com/office/drawing/2010/main" xmlns="">
+              <a14:hiddenFill xmlns="" xmlns:a14="http://schemas.microsoft.com/office/drawing/2010/main">
                 <a:solidFill>
                   <a:srgbClr val="FFFFFF"/>
                 </a:solidFill>
               </a14:hiddenFill>
             </a:ext>
             <a:ext uri="{91240B29-F687-4f45-9708-019B960494DF}">
-              <a14:hiddenLine xmlns:a14="http://schemas.microsoft.com/office/drawing/2010/main" xmlns="" w="12700" cap="flat" cmpd="sng">
+              <a14:hiddenLine xmlns="" xmlns:a14="http://schemas.microsoft.com/office/drawing/2010/main" w="12700" cap="flat" cmpd="sng">
                 <a:solidFill>
                   <a:srgbClr val="000000"/>
                 </a:solidFill>
@@ -9930,7 +9930,7 @@
               </a14:hiddenLine>
             </a:ext>
             <a:ext uri="{AF507438-7753-43e0-B8FC-AC1667EBCBE1}">
-              <a14:hiddenEffects xmlns:a14="http://schemas.microsoft.com/office/drawing/2010/main" xmlns="">
+              <a14:hiddenEffects xmlns="" xmlns:a14="http://schemas.microsoft.com/office/drawing/2010/main">
                 <a:effectLst>
                   <a:outerShdw blurRad="63500" dist="38099" dir="2700000" algn="ctr" rotWithShape="0">
                     <a:srgbClr val="000000">
@@ -10696,14 +10696,14 @@
           <a:effectLst/>
           <a:extLst>
             <a:ext uri="{909E8E84-426E-40dd-AFC4-6F175D3DCCD1}">
-              <a14:hiddenFill xmlns:a14="http://schemas.microsoft.com/office/drawing/2010/main" xmlns="">
+              <a14:hiddenFill xmlns="" xmlns:a14="http://schemas.microsoft.com/office/drawing/2010/main">
                 <a:solidFill>
                   <a:srgbClr val="FFFFFF"/>
                 </a:solidFill>
               </a14:hiddenFill>
             </a:ext>
             <a:ext uri="{91240B29-F687-4f45-9708-019B960494DF}">
-              <a14:hiddenLine xmlns:a14="http://schemas.microsoft.com/office/drawing/2010/main" xmlns="" w="12700" cap="flat" cmpd="sng">
+              <a14:hiddenLine xmlns="" xmlns:a14="http://schemas.microsoft.com/office/drawing/2010/main" w="12700" cap="flat" cmpd="sng">
                 <a:solidFill>
                   <a:srgbClr val="000000"/>
                 </a:solidFill>
@@ -10714,7 +10714,7 @@
               </a14:hiddenLine>
             </a:ext>
             <a:ext uri="{AF507438-7753-43e0-B8FC-AC1667EBCBE1}">
-              <a14:hiddenEffects xmlns:a14="http://schemas.microsoft.com/office/drawing/2010/main" xmlns="">
+              <a14:hiddenEffects xmlns="" xmlns:a14="http://schemas.microsoft.com/office/drawing/2010/main">
                 <a:effectLst>
                   <a:outerShdw blurRad="63500" dist="38099" dir="2700000" algn="ctr" rotWithShape="0">
                     <a:srgbClr val="000000">
@@ -11431,14 +11431,14 @@
           <a:effectLst/>
           <a:extLst>
             <a:ext uri="{909E8E84-426E-40dd-AFC4-6F175D3DCCD1}">
-              <a14:hiddenFill xmlns:a14="http://schemas.microsoft.com/office/drawing/2010/main" xmlns="">
+              <a14:hiddenFill xmlns="" xmlns:a14="http://schemas.microsoft.com/office/drawing/2010/main">
                 <a:solidFill>
                   <a:srgbClr val="FFFFFF"/>
                 </a:solidFill>
               </a14:hiddenFill>
             </a:ext>
             <a:ext uri="{91240B29-F687-4f45-9708-019B960494DF}">
-              <a14:hiddenLine xmlns:a14="http://schemas.microsoft.com/office/drawing/2010/main" xmlns="" w="12700" cap="flat" cmpd="sng">
+              <a14:hiddenLine xmlns="" xmlns:a14="http://schemas.microsoft.com/office/drawing/2010/main" w="12700" cap="flat" cmpd="sng">
                 <a:solidFill>
                   <a:srgbClr val="000000"/>
                 </a:solidFill>
@@ -11449,7 +11449,7 @@
               </a14:hiddenLine>
             </a:ext>
             <a:ext uri="{AF507438-7753-43e0-B8FC-AC1667EBCBE1}">
-              <a14:hiddenEffects xmlns:a14="http://schemas.microsoft.com/office/drawing/2010/main" xmlns="">
+              <a14:hiddenEffects xmlns="" xmlns:a14="http://schemas.microsoft.com/office/drawing/2010/main">
                 <a:effectLst>
                   <a:outerShdw blurRad="63500" dist="38099" dir="2700000" algn="ctr" rotWithShape="0">
                     <a:srgbClr val="000000">
@@ -11927,7 +11927,7 @@
         <a:effectLst/>
         <a:extLst>
           <a:ext uri="{AF507438-7753-43e0-B8FC-AC1667EBCBE1}">
-            <a14:hiddenEffects xmlns:a14="http://schemas.microsoft.com/office/drawing/2010/main" xmlns="">
+            <a14:hiddenEffects xmlns="" xmlns:a14="http://schemas.microsoft.com/office/drawing/2010/main">
               <a:effectLst>
                 <a:outerShdw blurRad="63500" dist="38099" dir="2700000" algn="ctr" rotWithShape="0">
                   <a:schemeClr val="bg2">
@@ -12007,7 +12007,7 @@
         <a:effectLst/>
         <a:extLst>
           <a:ext uri="{AF507438-7753-43e0-B8FC-AC1667EBCBE1}">
-            <a14:hiddenEffects xmlns:a14="http://schemas.microsoft.com/office/drawing/2010/main" xmlns="">
+            <a14:hiddenEffects xmlns="" xmlns:a14="http://schemas.microsoft.com/office/drawing/2010/main">
               <a:effectLst>
                 <a:outerShdw blurRad="63500" dist="38099" dir="2700000" algn="ctr" rotWithShape="0">
                   <a:schemeClr val="bg2">
